--- a/프응_이공_진척보고.pptx
+++ b/프응_이공_진척보고.pptx
@@ -136,59 +136,6 @@
 </p:presentation>
 </file>
 
-<file path=ppt/revisionInfo.xml><?xml version="1.0" encoding="utf-8"?>
-<p1510:revInfo xmlns:a="http://schemas.openxmlformats.org/drawingml/2006/main" xmlns:r="http://schemas.openxmlformats.org/officeDocument/2006/relationships" xmlns:p1510="http://schemas.microsoft.com/office/powerpoint/2015/10/main">
-  <p1510:revLst>
-    <p1510:client id="{A01C1936-DFE2-42EA-BE8B-C48F5C9329A6}" v="2" dt="2025-06-10T18:27:25.013"/>
-  </p1510:revLst>
-</p1510:revInfo>
-</file>
-
-<file path=ppt/changesInfos/changesInfo1.xml><?xml version="1.0" encoding="utf-8"?>
-<pc:chgInfo xmlns:a="http://schemas.openxmlformats.org/drawingml/2006/main" xmlns:r="http://schemas.openxmlformats.org/officeDocument/2006/relationships" xmlns:ac="http://schemas.microsoft.com/office/drawing/2013/main/command" xmlns:pc="http://schemas.microsoft.com/office/powerpoint/2013/main/command">
-  <pc:docChgLst>
-    <pc:chgData name="건우 이" userId="bb484302beb4f914" providerId="LiveId" clId="{A01C1936-DFE2-42EA-BE8B-C48F5C9329A6}"/>
-    <pc:docChg chg="modSld">
-      <pc:chgData name="건우 이" userId="bb484302beb4f914" providerId="LiveId" clId="{A01C1936-DFE2-42EA-BE8B-C48F5C9329A6}" dt="2025-06-10T18:28:59.173" v="68" actId="1076"/>
-      <pc:docMkLst>
-        <pc:docMk/>
-      </pc:docMkLst>
-      <pc:sldChg chg="addSp modSp mod">
-        <pc:chgData name="건우 이" userId="bb484302beb4f914" providerId="LiveId" clId="{A01C1936-DFE2-42EA-BE8B-C48F5C9329A6}" dt="2025-06-10T18:28:59.173" v="68" actId="1076"/>
-        <pc:sldMkLst>
-          <pc:docMk/>
-          <pc:sldMk cId="0" sldId="259"/>
-        </pc:sldMkLst>
-        <pc:spChg chg="add mod">
-          <ac:chgData name="건우 이" userId="bb484302beb4f914" providerId="LiveId" clId="{A01C1936-DFE2-42EA-BE8B-C48F5C9329A6}" dt="2025-06-10T18:27:25.013" v="67" actId="571"/>
-          <ac:spMkLst>
-            <pc:docMk/>
-            <pc:sldMk cId="0" sldId="259"/>
-            <ac:spMk id="7" creationId="{2B201E3B-98E6-5BC0-D50D-856A33CF4BDA}"/>
-          </ac:spMkLst>
-        </pc:spChg>
-        <pc:graphicFrameChg chg="mod modGraphic">
-          <ac:chgData name="건우 이" userId="bb484302beb4f914" providerId="LiveId" clId="{A01C1936-DFE2-42EA-BE8B-C48F5C9329A6}" dt="2025-06-10T18:28:59.173" v="68" actId="1076"/>
-          <ac:graphicFrameMkLst>
-            <pc:docMk/>
-            <pc:sldMk cId="0" sldId="259"/>
-            <ac:graphicFrameMk id="5" creationId="{00000000-0000-0000-0000-000000000000}"/>
-          </ac:graphicFrameMkLst>
-        </pc:graphicFrameChg>
-        <pc:picChg chg="add mod">
-          <ac:chgData name="건우 이" userId="bb484302beb4f914" providerId="LiveId" clId="{A01C1936-DFE2-42EA-BE8B-C48F5C9329A6}" dt="2025-06-10T18:27:25.013" v="67" actId="571"/>
-          <ac:picMkLst>
-            <pc:docMk/>
-            <pc:sldMk cId="0" sldId="259"/>
-            <ac:picMk id="6" creationId="{358C55C3-E145-AED6-1C2B-2132964B6DEF}"/>
-          </ac:picMkLst>
-        </pc:picChg>
-      </pc:sldChg>
-    </pc:docChg>
-  </pc:docChgLst>
-</pc:chgInfo>
-</file>
-
 <file path=ppt/slideLayouts/slideLayout1.xml><?xml version="1.0" encoding="utf-8"?>
 <p:sldLayout xmlns:a="http://schemas.openxmlformats.org/drawingml/2006/main" xmlns:r="http://schemas.openxmlformats.org/officeDocument/2006/relationships" xmlns:p="http://schemas.openxmlformats.org/presentationml/2006/main" type="title" preserve="1">
   <p:cSld name="Title Slide">
@@ -369,7 +316,7 @@
             <a:fld id="{1D8BD707-D9CF-40AE-B4C6-C98DA3205C09}" type="datetimeFigureOut">
               <a:rPr lang="en-US" smtClean="0"/>
               <a:pPr/>
-              <a:t>6/11/2025</a:t>
+              <a:t>6/3/2025</a:t>
             </a:fld>
             <a:endParaRPr lang="en-US"/>
           </a:p>
@@ -534,7 +481,7 @@
             <a:fld id="{1D8BD707-D9CF-40AE-B4C6-C98DA3205C09}" type="datetimeFigureOut">
               <a:rPr lang="en-US" smtClean="0"/>
               <a:pPr/>
-              <a:t>6/11/2025</a:t>
+              <a:t>6/3/2025</a:t>
             </a:fld>
             <a:endParaRPr lang="en-US"/>
           </a:p>
@@ -709,7 +656,7 @@
             <a:fld id="{1D8BD707-D9CF-40AE-B4C6-C98DA3205C09}" type="datetimeFigureOut">
               <a:rPr lang="en-US" smtClean="0"/>
               <a:pPr/>
-              <a:t>6/11/2025</a:t>
+              <a:t>6/3/2025</a:t>
             </a:fld>
             <a:endParaRPr lang="en-US"/>
           </a:p>
@@ -874,7 +821,7 @@
             <a:fld id="{1D8BD707-D9CF-40AE-B4C6-C98DA3205C09}" type="datetimeFigureOut">
               <a:rPr lang="en-US" smtClean="0"/>
               <a:pPr/>
-              <a:t>6/11/2025</a:t>
+              <a:t>6/3/2025</a:t>
             </a:fld>
             <a:endParaRPr lang="en-US"/>
           </a:p>
@@ -1116,7 +1063,7 @@
             <a:fld id="{1D8BD707-D9CF-40AE-B4C6-C98DA3205C09}" type="datetimeFigureOut">
               <a:rPr lang="en-US" smtClean="0"/>
               <a:pPr/>
-              <a:t>6/11/2025</a:t>
+              <a:t>6/3/2025</a:t>
             </a:fld>
             <a:endParaRPr lang="en-US"/>
           </a:p>
@@ -1398,7 +1345,7 @@
             <a:fld id="{1D8BD707-D9CF-40AE-B4C6-C98DA3205C09}" type="datetimeFigureOut">
               <a:rPr lang="en-US" smtClean="0"/>
               <a:pPr/>
-              <a:t>6/11/2025</a:t>
+              <a:t>6/3/2025</a:t>
             </a:fld>
             <a:endParaRPr lang="en-US"/>
           </a:p>
@@ -1814,7 +1761,7 @@
             <a:fld id="{1D8BD707-D9CF-40AE-B4C6-C98DA3205C09}" type="datetimeFigureOut">
               <a:rPr lang="en-US" smtClean="0"/>
               <a:pPr/>
-              <a:t>6/11/2025</a:t>
+              <a:t>6/3/2025</a:t>
             </a:fld>
             <a:endParaRPr lang="en-US"/>
           </a:p>
@@ -1928,7 +1875,7 @@
             <a:fld id="{1D8BD707-D9CF-40AE-B4C6-C98DA3205C09}" type="datetimeFigureOut">
               <a:rPr lang="en-US" smtClean="0"/>
               <a:pPr/>
-              <a:t>6/11/2025</a:t>
+              <a:t>6/3/2025</a:t>
             </a:fld>
             <a:endParaRPr lang="en-US"/>
           </a:p>
@@ -2020,7 +1967,7 @@
             <a:fld id="{1D8BD707-D9CF-40AE-B4C6-C98DA3205C09}" type="datetimeFigureOut">
               <a:rPr lang="en-US" smtClean="0"/>
               <a:pPr/>
-              <a:t>6/11/2025</a:t>
+              <a:t>6/3/2025</a:t>
             </a:fld>
             <a:endParaRPr lang="en-US"/>
           </a:p>
@@ -2292,7 +2239,7 @@
             <a:fld id="{1D8BD707-D9CF-40AE-B4C6-C98DA3205C09}" type="datetimeFigureOut">
               <a:rPr lang="en-US" smtClean="0"/>
               <a:pPr/>
-              <a:t>6/11/2025</a:t>
+              <a:t>6/3/2025</a:t>
             </a:fld>
             <a:endParaRPr lang="en-US"/>
           </a:p>
@@ -2541,7 +2488,7 @@
             <a:fld id="{1D8BD707-D9CF-40AE-B4C6-C98DA3205C09}" type="datetimeFigureOut">
               <a:rPr lang="en-US" smtClean="0"/>
               <a:pPr/>
-              <a:t>6/11/2025</a:t>
+              <a:t>6/3/2025</a:t>
             </a:fld>
             <a:endParaRPr lang="en-US"/>
           </a:p>
@@ -2749,7 +2696,7 @@
             <a:fld id="{1D8BD707-D9CF-40AE-B4C6-C98DA3205C09}" type="datetimeFigureOut">
               <a:rPr lang="en-US" smtClean="0"/>
               <a:pPr/>
-              <a:t>6/11/2025</a:t>
+              <a:t>6/3/2025</a:t>
             </a:fld>
             <a:endParaRPr lang="en-US"/>
           </a:p>
@@ -8055,13 +8002,13 @@
           <p:nvPr>
             <p:extLst>
               <p:ext uri="{D42A27DB-BD31-4B8C-83A1-F6EECF244321}">
-                <p14:modId xmlns:p14="http://schemas.microsoft.com/office/powerpoint/2010/main" val="663475871"/>
+                <p14:modId xmlns:p14="http://schemas.microsoft.com/office/powerpoint/2010/main" val="553755701"/>
               </p:ext>
             </p:extLst>
           </p:nvPr>
         </p:nvGraphicFramePr>
         <p:xfrm>
-          <a:off x="2286000" y="3460750"/>
+          <a:off x="1473200" y="2514600"/>
           <a:ext cx="14960600" cy="6896100"/>
         </p:xfrm>
         <a:graphic>
@@ -8461,7 +8408,7 @@
                         <a:defRPr/>
                       </a:pPr>
                       <a:r>
-                        <a:rPr lang="ko-KR" sz="2200" b="0" i="0" u="none" strike="noStrike" dirty="0">
+                        <a:rPr lang="ko-KR" sz="2200" b="0" i="0" u="none" strike="noStrike">
                           <a:solidFill>
                             <a:srgbClr val="000000"/>
                           </a:solidFill>
@@ -8472,7 +8419,7 @@
                         <a:t>실적</a:t>
                       </a:r>
                       <a:r>
-                        <a:rPr lang="en-US" sz="2200" b="0" i="0" u="none" strike="noStrike" dirty="0">
+                        <a:rPr lang="en-US" sz="2200" b="0" i="0" u="none" strike="noStrike">
                           <a:solidFill>
                             <a:srgbClr val="000000"/>
                           </a:solidFill>
@@ -8483,7 +8430,7 @@
                         <a:t> </a:t>
                       </a:r>
                       <a:r>
-                        <a:rPr lang="ko-KR" sz="2200" b="0" i="0" u="none" strike="noStrike" dirty="0">
+                        <a:rPr lang="ko-KR" sz="2200" b="0" i="0" u="none" strike="noStrike">
                           <a:solidFill>
                             <a:srgbClr val="000000"/>
                           </a:solidFill>
@@ -8494,7 +8441,7 @@
                         <a:t>작업</a:t>
                       </a:r>
                       <a:r>
-                        <a:rPr lang="en-US" sz="2200" b="0" i="0" u="none" strike="noStrike" dirty="0">
+                        <a:rPr lang="en-US" sz="2200" b="0" i="0" u="none" strike="noStrike">
                           <a:solidFill>
                             <a:srgbClr val="000000"/>
                           </a:solidFill>
@@ -8505,7 +8452,7 @@
                         <a:t> </a:t>
                       </a:r>
                       <a:r>
-                        <a:rPr lang="ko-KR" sz="2200" b="0" i="0" u="none" strike="noStrike" dirty="0">
+                        <a:rPr lang="ko-KR" sz="2200" b="0" i="0" u="none" strike="noStrike">
                           <a:solidFill>
                             <a:srgbClr val="000000"/>
                           </a:solidFill>
@@ -8515,7 +8462,7 @@
                         </a:rPr>
                         <a:t>수</a:t>
                       </a:r>
-                      <a:endParaRPr lang="en-US" sz="1100" dirty="0">
+                      <a:endParaRPr lang="en-US" sz="1100">
                         <a:latin typeface="KoPubWorld돋움체 Bold" panose="00000800000000000000" pitchFamily="2" charset="-127"/>
                         <a:ea typeface="KoPubWorld돋움체 Bold" panose="00000800000000000000" pitchFamily="2" charset="-127"/>
                         <a:cs typeface="KoPubWorld돋움체 Bold" panose="00000800000000000000" pitchFamily="2" charset="-127"/>
@@ -8584,7 +8531,7 @@
                         <a:defRPr/>
                       </a:pPr>
                       <a:r>
-                        <a:rPr lang="ko-KR" sz="2200" b="0" i="0" u="none" strike="noStrike" dirty="0">
+                        <a:rPr lang="ko-KR" sz="2200" b="0" i="0" u="none" strike="noStrike">
                           <a:solidFill>
                             <a:srgbClr val="000000"/>
                           </a:solidFill>
@@ -8595,7 +8542,7 @@
                         <a:t>목표</a:t>
                       </a:r>
                       <a:r>
-                        <a:rPr lang="en-US" sz="2200" b="0" i="0" u="none" strike="noStrike" dirty="0">
+                        <a:rPr lang="en-US" sz="2200" b="0" i="0" u="none" strike="noStrike">
                           <a:solidFill>
                             <a:srgbClr val="000000"/>
                           </a:solidFill>
@@ -8606,7 +8553,7 @@
                         <a:t> </a:t>
                       </a:r>
                       <a:r>
-                        <a:rPr lang="ko-KR" sz="2200" b="0" i="0" u="none" strike="noStrike" dirty="0">
+                        <a:rPr lang="ko-KR" sz="2200" b="0" i="0" u="none" strike="noStrike">
                           <a:solidFill>
                             <a:srgbClr val="000000"/>
                           </a:solidFill>
@@ -8617,7 +8564,7 @@
                         <a:t>대비</a:t>
                       </a:r>
                       <a:r>
-                        <a:rPr lang="en-US" sz="2200" b="0" i="0" u="none" strike="noStrike" dirty="0">
+                        <a:rPr lang="en-US" sz="2200" b="0" i="0" u="none" strike="noStrike">
                           <a:solidFill>
                             <a:srgbClr val="000000"/>
                           </a:solidFill>
@@ -8628,7 +8575,7 @@
                         <a:t> </a:t>
                       </a:r>
                       <a:r>
-                        <a:rPr lang="ko-KR" sz="2200" b="0" i="0" u="none" strike="noStrike" dirty="0" err="1">
+                        <a:rPr lang="ko-KR" sz="2200" b="0" i="0" u="none" strike="noStrike">
                           <a:solidFill>
                             <a:srgbClr val="000000"/>
                           </a:solidFill>
@@ -8638,7 +8585,7 @@
                         </a:rPr>
                         <a:t>진척률</a:t>
                       </a:r>
-                      <a:endParaRPr lang="en-US" sz="1100" dirty="0">
+                      <a:endParaRPr lang="en-US" sz="1100">
                         <a:latin typeface="KoPubWorld돋움체 Bold" panose="00000800000000000000" pitchFamily="2" charset="-127"/>
                         <a:ea typeface="KoPubWorld돋움체 Bold" panose="00000800000000000000" pitchFamily="2" charset="-127"/>
                         <a:cs typeface="KoPubWorld돋움체 Bold" panose="00000800000000000000" pitchFamily="2" charset="-127"/>
@@ -9076,7 +9023,7 @@
                         <a:defRPr/>
                       </a:pPr>
                       <a:r>
-                        <a:rPr lang="en-US" sz="1800" b="0" i="0" u="none" strike="noStrike" dirty="0">
+                        <a:rPr lang="en-US" sz="1800" b="0" i="0" u="none" strike="noStrike">
                           <a:solidFill>
                             <a:srgbClr val="DEDEDE"/>
                           </a:solidFill>
@@ -9086,7 +9033,7 @@
                         </a:rPr>
                         <a:t>35</a:t>
                       </a:r>
-                      <a:endParaRPr lang="en-US" sz="1100" dirty="0">
+                      <a:endParaRPr lang="en-US" sz="1100">
                         <a:latin typeface="KoPubWorld돋움체 Bold" panose="00000800000000000000" pitchFamily="2" charset="-127"/>
                         <a:ea typeface="KoPubWorld돋움체 Bold" panose="00000800000000000000" pitchFamily="2" charset="-127"/>
                         <a:cs typeface="KoPubWorld돋움체 Bold" panose="00000800000000000000" pitchFamily="2" charset="-127"/>
@@ -9149,7 +9096,7 @@
                         <a:defRPr/>
                       </a:pPr>
                       <a:r>
-                        <a:rPr lang="en-US" sz="1800" b="0" i="0" u="none" strike="noStrike" dirty="0">
+                        <a:rPr lang="en-US" sz="1800" b="0" i="0" u="none" strike="noStrike">
                           <a:solidFill>
                             <a:srgbClr val="DEDEDE"/>
                           </a:solidFill>
@@ -9159,7 +9106,7 @@
                         </a:rPr>
                         <a:t>100%</a:t>
                       </a:r>
-                      <a:endParaRPr lang="en-US" sz="1100" dirty="0">
+                      <a:endParaRPr lang="en-US" sz="1100">
                         <a:latin typeface="KoPubWorld돋움체 Bold" panose="00000800000000000000" pitchFamily="2" charset="-127"/>
                         <a:ea typeface="KoPubWorld돋움체 Bold" panose="00000800000000000000" pitchFamily="2" charset="-127"/>
                         <a:cs typeface="KoPubWorld돋움체 Bold" panose="00000800000000000000" pitchFamily="2" charset="-127"/>
@@ -9222,7 +9169,7 @@
                         <a:defRPr/>
                       </a:pPr>
                       <a:r>
-                        <a:rPr lang="en-US" sz="1800" b="0" i="0" u="none" strike="noStrike" dirty="0">
+                        <a:rPr lang="en-US" sz="1800" b="0" i="0" u="none" strike="noStrike">
                           <a:solidFill>
                             <a:srgbClr val="DEDEDE"/>
                           </a:solidFill>
@@ -9232,7 +9179,7 @@
                         </a:rPr>
                         <a:t>100%</a:t>
                       </a:r>
-                      <a:endParaRPr lang="en-US" sz="1100" dirty="0">
+                      <a:endParaRPr lang="en-US" sz="1100">
                         <a:latin typeface="KoPubWorld돋움체 Bold" panose="00000800000000000000" pitchFamily="2" charset="-127"/>
                         <a:ea typeface="KoPubWorld돋움체 Bold" panose="00000800000000000000" pitchFamily="2" charset="-127"/>
                         <a:cs typeface="KoPubWorld돋움체 Bold" panose="00000800000000000000" pitchFamily="2" charset="-127"/>
@@ -9895,7 +9842,7 @@
                         <a:defRPr/>
                       </a:pPr>
                       <a:r>
-                        <a:rPr lang="en-US" sz="1800" b="0" i="0" u="none" strike="noStrike" dirty="0">
+                        <a:rPr lang="en-US" sz="1800" b="0" i="0" u="none" strike="noStrike">
                           <a:solidFill>
                             <a:srgbClr val="DEDEDE"/>
                           </a:solidFill>
@@ -9903,9 +9850,9 @@
                           <a:ea typeface="KoPubWorld돋움체 Bold" panose="00000800000000000000" pitchFamily="2" charset="-127"/>
                           <a:cs typeface="KoPubWorld돋움체 Bold" panose="00000800000000000000" pitchFamily="2" charset="-127"/>
                         </a:rPr>
-                        <a:t>34</a:t>
+                        <a:t>32</a:t>
                       </a:r>
-                      <a:endParaRPr lang="en-US" sz="1100" dirty="0">
+                      <a:endParaRPr lang="en-US" sz="1100">
                         <a:latin typeface="KoPubWorld돋움체 Bold" panose="00000800000000000000" pitchFamily="2" charset="-127"/>
                         <a:ea typeface="KoPubWorld돋움체 Bold" panose="00000800000000000000" pitchFamily="2" charset="-127"/>
                         <a:cs typeface="KoPubWorld돋움체 Bold" panose="00000800000000000000" pitchFamily="2" charset="-127"/>
@@ -9976,7 +9923,7 @@
                           <a:ea typeface="KoPubWorld돋움체 Bold" panose="00000800000000000000" pitchFamily="2" charset="-127"/>
                           <a:cs typeface="KoPubWorld돋움체 Bold" panose="00000800000000000000" pitchFamily="2" charset="-127"/>
                         </a:rPr>
-                        <a:t>34</a:t>
+                        <a:t>30</a:t>
                       </a:r>
                       <a:endParaRPr lang="en-US" sz="1100" dirty="0">
                         <a:latin typeface="KoPubWorld돋움체 Bold" panose="00000800000000000000" pitchFamily="2" charset="-127"/>
@@ -10041,7 +9988,7 @@
                         <a:defRPr/>
                       </a:pPr>
                       <a:r>
-                        <a:rPr lang="en-US" sz="1800" b="0" i="0" u="none" strike="noStrike" dirty="0">
+                        <a:rPr lang="en-US" sz="1800" b="0" i="0" u="none" strike="noStrike">
                           <a:solidFill>
                             <a:srgbClr val="DEDEDE"/>
                           </a:solidFill>
@@ -10049,9 +9996,9 @@
                           <a:ea typeface="KoPubWorld돋움체 Bold" panose="00000800000000000000" pitchFamily="2" charset="-127"/>
                           <a:cs typeface="KoPubWorld돋움체 Bold" panose="00000800000000000000" pitchFamily="2" charset="-127"/>
                         </a:rPr>
-                        <a:t>100%</a:t>
+                        <a:t>93.8%</a:t>
                       </a:r>
-                      <a:endParaRPr lang="en-US" sz="1100" dirty="0">
+                      <a:endParaRPr lang="en-US" sz="1100">
                         <a:latin typeface="KoPubWorld돋움체 Bold" panose="00000800000000000000" pitchFamily="2" charset="-127"/>
                         <a:ea typeface="KoPubWorld돋움체 Bold" panose="00000800000000000000" pitchFamily="2" charset="-127"/>
                         <a:cs typeface="KoPubWorld돋움체 Bold" panose="00000800000000000000" pitchFamily="2" charset="-127"/>
@@ -10114,7 +10061,7 @@
                         <a:defRPr/>
                       </a:pPr>
                       <a:r>
-                        <a:rPr lang="en-US" sz="1800" b="0" i="0" u="none" strike="noStrike" dirty="0">
+                        <a:rPr lang="en-US" sz="1800" b="0" i="0" u="none" strike="noStrike">
                           <a:solidFill>
                             <a:srgbClr val="DEDEDE"/>
                           </a:solidFill>
@@ -10122,9 +10069,9 @@
                           <a:ea typeface="KoPubWorld돋움체 Bold" panose="00000800000000000000" pitchFamily="2" charset="-127"/>
                           <a:cs typeface="KoPubWorld돋움체 Bold" panose="00000800000000000000" pitchFamily="2" charset="-127"/>
                         </a:rPr>
-                        <a:t>100%</a:t>
+                        <a:t>88.2%</a:t>
                       </a:r>
-                      <a:endParaRPr lang="en-US" sz="1100" dirty="0">
+                      <a:endParaRPr lang="en-US" sz="1100">
                         <a:latin typeface="KoPubWorld돋움체 Bold" panose="00000800000000000000" pitchFamily="2" charset="-127"/>
                         <a:ea typeface="KoPubWorld돋움체 Bold" panose="00000800000000000000" pitchFamily="2" charset="-127"/>
                         <a:cs typeface="KoPubWorld돋움체 Bold" panose="00000800000000000000" pitchFamily="2" charset="-127"/>
@@ -10555,7 +10502,7 @@
                         <a:defRPr/>
                       </a:pPr>
                       <a:r>
-                        <a:rPr lang="ko-KR" sz="1800" b="0" i="0" u="none" strike="noStrike" dirty="0">
+                        <a:rPr lang="ko-KR" sz="1800" b="0" i="0" u="none" strike="noStrike">
                           <a:solidFill>
                             <a:srgbClr val="FFFFFF"/>
                           </a:solidFill>
@@ -10566,7 +10513,7 @@
                         <a:t>속성</a:t>
                       </a:r>
                       <a:r>
-                        <a:rPr lang="en-US" sz="1800" b="0" i="0" u="none" strike="noStrike" dirty="0">
+                        <a:rPr lang="en-US" sz="1800" b="0" i="0" u="none" strike="noStrike">
                           <a:solidFill>
                             <a:srgbClr val="FFFFFF"/>
                           </a:solidFill>
@@ -10577,7 +10524,7 @@
                         <a:t> </a:t>
                       </a:r>
                       <a:r>
-                        <a:rPr lang="ko-KR" sz="1800" b="0" i="0" u="none" strike="noStrike" dirty="0">
+                        <a:rPr lang="ko-KR" sz="1800" b="0" i="0" u="none" strike="noStrike">
                           <a:solidFill>
                             <a:srgbClr val="FFFFFF"/>
                           </a:solidFill>
@@ -10588,7 +10535,7 @@
                         <a:t>저장</a:t>
                       </a:r>
                       <a:r>
-                        <a:rPr lang="en-US" sz="1800" b="0" i="0" u="none" strike="noStrike" dirty="0">
+                        <a:rPr lang="en-US" sz="1800" b="0" i="0" u="none" strike="noStrike">
                           <a:solidFill>
                             <a:srgbClr val="FFFFFF"/>
                           </a:solidFill>
@@ -10599,7 +10546,7 @@
                         <a:t> </a:t>
                       </a:r>
                       <a:r>
-                        <a:rPr lang="ko-KR" sz="1800" b="0" i="0" u="none" strike="noStrike" dirty="0">
+                        <a:rPr lang="ko-KR" sz="1800" b="0" i="0" u="none" strike="noStrike">
                           <a:solidFill>
                             <a:srgbClr val="FFFFFF"/>
                           </a:solidFill>
@@ -10610,7 +10557,7 @@
                         <a:t>및</a:t>
                       </a:r>
                       <a:r>
-                        <a:rPr lang="en-US" sz="1800" b="0" i="0" u="none" strike="noStrike" dirty="0">
+                        <a:rPr lang="en-US" sz="1800" b="0" i="0" u="none" strike="noStrike">
                           <a:solidFill>
                             <a:srgbClr val="FFFFFF"/>
                           </a:solidFill>
@@ -10621,7 +10568,7 @@
                         <a:t> </a:t>
                       </a:r>
                       <a:r>
-                        <a:rPr lang="ko-KR" sz="1800" b="0" i="0" u="none" strike="noStrike" dirty="0">
+                        <a:rPr lang="ko-KR" sz="1800" b="0" i="0" u="none" strike="noStrike">
                           <a:solidFill>
                             <a:srgbClr val="FFFFFF"/>
                           </a:solidFill>
@@ -10631,7 +10578,7 @@
                         </a:rPr>
                         <a:t>입출력</a:t>
                       </a:r>
-                      <a:endParaRPr lang="en-US" sz="1100" dirty="0">
+                      <a:endParaRPr lang="en-US" sz="1100">
                         <a:latin typeface="KoPubWorld돋움체 Bold" panose="00000800000000000000" pitchFamily="2" charset="-127"/>
                         <a:ea typeface="KoPubWorld돋움체 Bold" panose="00000800000000000000" pitchFamily="2" charset="-127"/>
                         <a:cs typeface="KoPubWorld돋움체 Bold" panose="00000800000000000000" pitchFamily="2" charset="-127"/>
@@ -10769,7 +10716,7 @@
                         <a:defRPr/>
                       </a:pPr>
                       <a:r>
-                        <a:rPr lang="en-US" sz="1800" b="0" i="0" u="none" strike="noStrike" dirty="0">
+                        <a:rPr lang="en-US" sz="1800" b="0" i="0" u="none" strike="noStrike">
                           <a:solidFill>
                             <a:srgbClr val="DEDEDE"/>
                           </a:solidFill>
@@ -10777,9 +10724,9 @@
                           <a:ea typeface="KoPubWorld돋움체 Bold" panose="00000800000000000000" pitchFamily="2" charset="-127"/>
                           <a:cs typeface="KoPubWorld돋움체 Bold" panose="00000800000000000000" pitchFamily="2" charset="-127"/>
                         </a:rPr>
-                        <a:t>18</a:t>
+                        <a:t>17</a:t>
                       </a:r>
-                      <a:endParaRPr lang="en-US" sz="1100" dirty="0">
+                      <a:endParaRPr lang="en-US" sz="1100">
                         <a:latin typeface="KoPubWorld돋움체 Bold" panose="00000800000000000000" pitchFamily="2" charset="-127"/>
                         <a:ea typeface="KoPubWorld돋움체 Bold" panose="00000800000000000000" pitchFamily="2" charset="-127"/>
                         <a:cs typeface="KoPubWorld돋움체 Bold" panose="00000800000000000000" pitchFamily="2" charset="-127"/>
@@ -10799,6 +10746,79 @@
                     <a:lnR w="6349" cap="flat" cmpd="sng" algn="ctr">
                       <a:solidFill>
                         <a:srgbClr val="FFFFFF"/>
+                      </a:solidFill>
+                      <a:prstDash val="solid"/>
+                      <a:round/>
+                      <a:headEnd type="none" w="med" len="med"/>
+                      <a:tailEnd type="none" w="med" len="med"/>
+                    </a:lnR>
+                    <a:lnT w="6349" cap="flat" cmpd="sng" algn="ctr">
+                      <a:solidFill>
+                        <a:srgbClr val="9E9E9E"/>
+                      </a:solidFill>
+                      <a:prstDash val="solid"/>
+                      <a:round/>
+                      <a:headEnd type="none" w="med" len="med"/>
+                      <a:tailEnd type="none" w="med" len="med"/>
+                    </a:lnT>
+                    <a:lnB w="6349" cap="flat" cmpd="sng" algn="ctr">
+                      <a:solidFill>
+                        <a:srgbClr val="9E9E9E"/>
+                      </a:solidFill>
+                      <a:prstDash val="solid"/>
+                      <a:round/>
+                      <a:headEnd type="none" w="med" len="med"/>
+                      <a:tailEnd type="none" w="med" len="med"/>
+                    </a:lnB>
+                    <a:solidFill>
+                      <a:srgbClr val="000000">
+                        <a:alpha val="0"/>
+                      </a:srgbClr>
+                    </a:solidFill>
+                  </a:tcPr>
+                </a:tc>
+                <a:tc rowSpan="2">
+                  <a:txBody>
+                    <a:bodyPr/>
+                    <a:lstStyle/>
+                    <a:p>
+                      <a:pPr lvl="0" algn="ctr">
+                        <a:lnSpc>
+                          <a:spcPct val="83000"/>
+                        </a:lnSpc>
+                        <a:defRPr/>
+                      </a:pPr>
+                      <a:r>
+                        <a:rPr lang="en-US" sz="1800" b="0" i="0" u="none" strike="noStrike">
+                          <a:solidFill>
+                            <a:srgbClr val="DEDEDE"/>
+                          </a:solidFill>
+                          <a:latin typeface="KoPubWorld돋움체 Bold" panose="00000800000000000000" pitchFamily="2" charset="-127"/>
+                          <a:ea typeface="KoPubWorld돋움체 Bold" panose="00000800000000000000" pitchFamily="2" charset="-127"/>
+                          <a:cs typeface="KoPubWorld돋움체 Bold" panose="00000800000000000000" pitchFamily="2" charset="-127"/>
+                        </a:rPr>
+                        <a:t>16</a:t>
+                      </a:r>
+                      <a:endParaRPr lang="en-US" sz="1100">
+                        <a:latin typeface="KoPubWorld돋움체 Bold" panose="00000800000000000000" pitchFamily="2" charset="-127"/>
+                        <a:ea typeface="KoPubWorld돋움체 Bold" panose="00000800000000000000" pitchFamily="2" charset="-127"/>
+                        <a:cs typeface="KoPubWorld돋움체 Bold" panose="00000800000000000000" pitchFamily="2" charset="-127"/>
+                      </a:endParaRPr>
+                    </a:p>
+                  </a:txBody>
+                  <a:tcPr marL="19050" marR="19050" marT="19050" marB="19050" anchor="ctr">
+                    <a:lnL w="6349" cap="flat" cmpd="sng" algn="ctr">
+                      <a:solidFill>
+                        <a:srgbClr val="FFFFFF"/>
+                      </a:solidFill>
+                      <a:prstDash val="solid"/>
+                      <a:round/>
+                      <a:headEnd type="none" w="med" len="med"/>
+                      <a:tailEnd type="none" w="med" len="med"/>
+                    </a:lnL>
+                    <a:lnR w="6349" cap="flat" cmpd="sng" algn="ctr">
+                      <a:solidFill>
+                        <a:srgbClr val="9E9E9E"/>
                       </a:solidFill>
                       <a:prstDash val="solid"/>
                       <a:round/>
@@ -10850,7 +10870,7 @@
                           <a:ea typeface="KoPubWorld돋움체 Bold" panose="00000800000000000000" pitchFamily="2" charset="-127"/>
                           <a:cs typeface="KoPubWorld돋움체 Bold" panose="00000800000000000000" pitchFamily="2" charset="-127"/>
                         </a:rPr>
-                        <a:t>18</a:t>
+                        <a:t>94.1%</a:t>
                       </a:r>
                       <a:endParaRPr lang="en-US" sz="1100" dirty="0">
                         <a:latin typeface="KoPubWorld돋움체 Bold" panose="00000800000000000000" pitchFamily="2" charset="-127"/>
@@ -10862,7 +10882,7 @@
                   <a:tcPr marL="19050" marR="19050" marT="19050" marB="19050" anchor="ctr">
                     <a:lnL w="6349" cap="flat" cmpd="sng" algn="ctr">
                       <a:solidFill>
-                        <a:srgbClr val="FFFFFF"/>
+                        <a:srgbClr val="9E9E9E"/>
                       </a:solidFill>
                       <a:prstDash val="solid"/>
                       <a:round/>
@@ -10915,7 +10935,7 @@
                         <a:defRPr/>
                       </a:pPr>
                       <a:r>
-                        <a:rPr lang="en-US" sz="1800" b="0" i="0" u="none" strike="noStrike" dirty="0">
+                        <a:rPr lang="en-US" sz="1800" b="0" i="0" u="none" strike="noStrike">
                           <a:solidFill>
                             <a:srgbClr val="DEDEDE"/>
                           </a:solidFill>
@@ -10923,82 +10943,9 @@
                           <a:ea typeface="KoPubWorld돋움체 Bold" panose="00000800000000000000" pitchFamily="2" charset="-127"/>
                           <a:cs typeface="KoPubWorld돋움체 Bold" panose="00000800000000000000" pitchFamily="2" charset="-127"/>
                         </a:rPr>
-                        <a:t>100%</a:t>
+                        <a:t>88.9%</a:t>
                       </a:r>
-                      <a:endParaRPr lang="en-US" sz="1100" dirty="0">
-                        <a:latin typeface="KoPubWorld돋움체 Bold" panose="00000800000000000000" pitchFamily="2" charset="-127"/>
-                        <a:ea typeface="KoPubWorld돋움체 Bold" panose="00000800000000000000" pitchFamily="2" charset="-127"/>
-                        <a:cs typeface="KoPubWorld돋움체 Bold" panose="00000800000000000000" pitchFamily="2" charset="-127"/>
-                      </a:endParaRPr>
-                    </a:p>
-                  </a:txBody>
-                  <a:tcPr marL="19050" marR="19050" marT="19050" marB="19050" anchor="ctr">
-                    <a:lnL w="6349" cap="flat" cmpd="sng" algn="ctr">
-                      <a:solidFill>
-                        <a:srgbClr val="9E9E9E"/>
-                      </a:solidFill>
-                      <a:prstDash val="solid"/>
-                      <a:round/>
-                      <a:headEnd type="none" w="med" len="med"/>
-                      <a:tailEnd type="none" w="med" len="med"/>
-                    </a:lnL>
-                    <a:lnR w="6349" cap="flat" cmpd="sng" algn="ctr">
-                      <a:solidFill>
-                        <a:srgbClr val="9E9E9E"/>
-                      </a:solidFill>
-                      <a:prstDash val="solid"/>
-                      <a:round/>
-                      <a:headEnd type="none" w="med" len="med"/>
-                      <a:tailEnd type="none" w="med" len="med"/>
-                    </a:lnR>
-                    <a:lnT w="6349" cap="flat" cmpd="sng" algn="ctr">
-                      <a:solidFill>
-                        <a:srgbClr val="9E9E9E"/>
-                      </a:solidFill>
-                      <a:prstDash val="solid"/>
-                      <a:round/>
-                      <a:headEnd type="none" w="med" len="med"/>
-                      <a:tailEnd type="none" w="med" len="med"/>
-                    </a:lnT>
-                    <a:lnB w="6349" cap="flat" cmpd="sng" algn="ctr">
-                      <a:solidFill>
-                        <a:srgbClr val="9E9E9E"/>
-                      </a:solidFill>
-                      <a:prstDash val="solid"/>
-                      <a:round/>
-                      <a:headEnd type="none" w="med" len="med"/>
-                      <a:tailEnd type="none" w="med" len="med"/>
-                    </a:lnB>
-                    <a:solidFill>
-                      <a:srgbClr val="000000">
-                        <a:alpha val="0"/>
-                      </a:srgbClr>
-                    </a:solidFill>
-                  </a:tcPr>
-                </a:tc>
-                <a:tc rowSpan="2">
-                  <a:txBody>
-                    <a:bodyPr/>
-                    <a:lstStyle/>
-                    <a:p>
-                      <a:pPr lvl="0" algn="ctr">
-                        <a:lnSpc>
-                          <a:spcPct val="83000"/>
-                        </a:lnSpc>
-                        <a:defRPr/>
-                      </a:pPr>
-                      <a:r>
-                        <a:rPr lang="en-US" sz="1800" b="0" i="0" u="none" strike="noStrike" dirty="0">
-                          <a:solidFill>
-                            <a:srgbClr val="DEDEDE"/>
-                          </a:solidFill>
-                          <a:latin typeface="KoPubWorld돋움체 Bold" panose="00000800000000000000" pitchFamily="2" charset="-127"/>
-                          <a:ea typeface="KoPubWorld돋움체 Bold" panose="00000800000000000000" pitchFamily="2" charset="-127"/>
-                          <a:cs typeface="KoPubWorld돋움체 Bold" panose="00000800000000000000" pitchFamily="2" charset="-127"/>
-                        </a:rPr>
-                        <a:t>100%</a:t>
-                      </a:r>
-                      <a:endParaRPr lang="en-US" sz="1100" dirty="0">
+                      <a:endParaRPr lang="en-US" sz="1100">
                         <a:latin typeface="KoPubWorld돋움체 Bold" panose="00000800000000000000" pitchFamily="2" charset="-127"/>
                         <a:ea typeface="KoPubWorld돋움체 Bold" panose="00000800000000000000" pitchFamily="2" charset="-127"/>
                         <a:cs typeface="KoPubWorld돋움체 Bold" panose="00000800000000000000" pitchFamily="2" charset="-127"/>
@@ -11672,7 +11619,7 @@
                         <a:defRPr/>
                       </a:pPr>
                       <a:r>
-                        <a:rPr lang="en-US" sz="1800" b="0" i="0" u="none" strike="noStrike" dirty="0">
+                        <a:rPr lang="en-US" sz="1800" b="0" i="0" u="none" strike="noStrike">
                           <a:solidFill>
                             <a:srgbClr val="DEDEDE"/>
                           </a:solidFill>
@@ -11680,9 +11627,9 @@
                           <a:ea typeface="KoPubWorld돋움체 Bold" panose="00000800000000000000" pitchFamily="2" charset="-127"/>
                           <a:cs typeface="KoPubWorld돋움체 Bold" panose="00000800000000000000" pitchFamily="2" charset="-127"/>
                         </a:rPr>
-                        <a:t>12</a:t>
+                        <a:t>11</a:t>
                       </a:r>
-                      <a:endParaRPr lang="en-US" sz="1100" dirty="0">
+                      <a:endParaRPr lang="en-US" sz="1100">
                         <a:latin typeface="KoPubWorld돋움체 Bold" panose="00000800000000000000" pitchFamily="2" charset="-127"/>
                         <a:ea typeface="KoPubWorld돋움체 Bold" panose="00000800000000000000" pitchFamily="2" charset="-127"/>
                         <a:cs typeface="KoPubWorld돋움체 Bold" panose="00000800000000000000" pitchFamily="2" charset="-127"/>
@@ -11753,7 +11700,7 @@
                           <a:ea typeface="KoPubWorld돋움체 Bold" panose="00000800000000000000" pitchFamily="2" charset="-127"/>
                           <a:cs typeface="KoPubWorld돋움체 Bold" panose="00000800000000000000" pitchFamily="2" charset="-127"/>
                         </a:rPr>
-                        <a:t>100%</a:t>
+                        <a:t>91.7%</a:t>
                       </a:r>
                       <a:endParaRPr lang="en-US" sz="1100" dirty="0">
                         <a:latin typeface="KoPubWorld돋움체 Bold" panose="00000800000000000000" pitchFamily="2" charset="-127"/>
@@ -11826,7 +11773,7 @@
                           <a:ea typeface="KoPubWorld돋움체 Bold" panose="00000800000000000000" pitchFamily="2" charset="-127"/>
                           <a:cs typeface="KoPubWorld돋움체 Bold" panose="00000800000000000000" pitchFamily="2" charset="-127"/>
                         </a:rPr>
-                        <a:t>100%</a:t>
+                        <a:t>91.7%</a:t>
                       </a:r>
                       <a:endParaRPr lang="en-US" sz="1100" dirty="0">
                         <a:latin typeface="KoPubWorld돋움체 Bold" panose="00000800000000000000" pitchFamily="2" charset="-127"/>
@@ -12557,7 +12504,7 @@
                         <a:defRPr/>
                       </a:pPr>
                       <a:r>
-                        <a:rPr lang="en-US" sz="2200" b="0" i="0" u="none" strike="noStrike" dirty="0">
+                        <a:rPr lang="en-US" sz="2200" b="0" i="0" u="none" strike="noStrike">
                           <a:solidFill>
                             <a:srgbClr val="60D9FF"/>
                           </a:solidFill>
@@ -12565,9 +12512,9 @@
                           <a:ea typeface="KoPubWorld돋움체 Bold" panose="00000800000000000000" pitchFamily="2" charset="-127"/>
                           <a:cs typeface="KoPubWorld돋움체 Bold" panose="00000800000000000000" pitchFamily="2" charset="-127"/>
                         </a:rPr>
-                        <a:t>100%</a:t>
+                        <a:t>94.9%</a:t>
                       </a:r>
-                      <a:endParaRPr lang="en-US" sz="1100" dirty="0">
+                      <a:endParaRPr lang="en-US" sz="1100">
                         <a:latin typeface="KoPubWorld돋움체 Bold" panose="00000800000000000000" pitchFamily="2" charset="-127"/>
                         <a:ea typeface="KoPubWorld돋움체 Bold" panose="00000800000000000000" pitchFamily="2" charset="-127"/>
                         <a:cs typeface="KoPubWorld돋움체 Bold" panose="00000800000000000000" pitchFamily="2" charset="-127"/>
@@ -12638,7 +12585,7 @@
                           <a:ea typeface="KoPubWorld돋움체 Bold" panose="00000800000000000000" pitchFamily="2" charset="-127"/>
                           <a:cs typeface="KoPubWorld돋움체 Bold" panose="00000800000000000000" pitchFamily="2" charset="-127"/>
                         </a:rPr>
-                        <a:t>100%</a:t>
+                        <a:t>92.2%</a:t>
                       </a:r>
                       <a:endParaRPr lang="en-US" sz="1100" dirty="0">
                         <a:latin typeface="KoPubWorld돋움체 Bold" panose="00000800000000000000" pitchFamily="2" charset="-127"/>
